--- a/307 - Awake, Ye Saints of God.pptx
+++ b/307 - Awake, Ye Saints of God.pptx
@@ -113,10 +113,6 @@
 </p:presentation>
 </file>
 
-<file path=ppt/revisionInfo.xml><?xml version="1.0" encoding="utf-8"?>
-<p1510:revInfo xmlns:a="http://schemas.openxmlformats.org/drawingml/2006/main" xmlns:r="http://schemas.openxmlformats.org/officeDocument/2006/relationships" xmlns:p1510="http://schemas.microsoft.com/office/powerpoint/2015/10/main"/>
-</file>
-
 <file path=ppt/slideLayouts/slideLayout1.xml><?xml version="1.0" encoding="utf-8"?>
 <p:sldLayout xmlns:a="http://schemas.openxmlformats.org/drawingml/2006/main" xmlns:r="http://schemas.openxmlformats.org/officeDocument/2006/relationships" xmlns:p="http://schemas.openxmlformats.org/presentationml/2006/main" type="title" preserve="1">
   <p:cSld name="Title Slide">
@@ -246,7 +242,7 @@
           <a:p>
             <a:fld id="{32F7251A-AE54-443C-B8FE-5F636E835EBF}" type="datetimeFigureOut">
               <a:rPr lang="en-US" smtClean="0"/>
-              <a:t>1/7/2018</a:t>
+              <a:t>8/16/2020</a:t>
             </a:fld>
             <a:endParaRPr lang="en-US"/>
           </a:p>
@@ -414,7 +410,7 @@
           <a:p>
             <a:fld id="{32F7251A-AE54-443C-B8FE-5F636E835EBF}" type="datetimeFigureOut">
               <a:rPr lang="en-US" smtClean="0"/>
-              <a:t>1/7/2018</a:t>
+              <a:t>8/16/2020</a:t>
             </a:fld>
             <a:endParaRPr lang="en-US"/>
           </a:p>
@@ -592,7 +588,7 @@
           <a:p>
             <a:fld id="{32F7251A-AE54-443C-B8FE-5F636E835EBF}" type="datetimeFigureOut">
               <a:rPr lang="en-US" smtClean="0"/>
-              <a:t>1/7/2018</a:t>
+              <a:t>8/16/2020</a:t>
             </a:fld>
             <a:endParaRPr lang="en-US"/>
           </a:p>
@@ -760,7 +756,7 @@
           <a:p>
             <a:fld id="{32F7251A-AE54-443C-B8FE-5F636E835EBF}" type="datetimeFigureOut">
               <a:rPr lang="en-US" smtClean="0"/>
-              <a:t>1/7/2018</a:t>
+              <a:t>8/16/2020</a:t>
             </a:fld>
             <a:endParaRPr lang="en-US"/>
           </a:p>
@@ -1005,7 +1001,7 @@
           <a:p>
             <a:fld id="{32F7251A-AE54-443C-B8FE-5F636E835EBF}" type="datetimeFigureOut">
               <a:rPr lang="en-US" smtClean="0"/>
-              <a:t>1/7/2018</a:t>
+              <a:t>8/16/2020</a:t>
             </a:fld>
             <a:endParaRPr lang="en-US"/>
           </a:p>
@@ -1234,7 +1230,7 @@
           <a:p>
             <a:fld id="{32F7251A-AE54-443C-B8FE-5F636E835EBF}" type="datetimeFigureOut">
               <a:rPr lang="en-US" smtClean="0"/>
-              <a:t>1/7/2018</a:t>
+              <a:t>8/16/2020</a:t>
             </a:fld>
             <a:endParaRPr lang="en-US"/>
           </a:p>
@@ -1598,7 +1594,7 @@
           <a:p>
             <a:fld id="{32F7251A-AE54-443C-B8FE-5F636E835EBF}" type="datetimeFigureOut">
               <a:rPr lang="en-US" smtClean="0"/>
-              <a:t>1/7/2018</a:t>
+              <a:t>8/16/2020</a:t>
             </a:fld>
             <a:endParaRPr lang="en-US"/>
           </a:p>
@@ -1715,7 +1711,7 @@
           <a:p>
             <a:fld id="{32F7251A-AE54-443C-B8FE-5F636E835EBF}" type="datetimeFigureOut">
               <a:rPr lang="en-US" smtClean="0"/>
-              <a:t>1/7/2018</a:t>
+              <a:t>8/16/2020</a:t>
             </a:fld>
             <a:endParaRPr lang="en-US"/>
           </a:p>
@@ -1810,7 +1806,7 @@
           <a:p>
             <a:fld id="{32F7251A-AE54-443C-B8FE-5F636E835EBF}" type="datetimeFigureOut">
               <a:rPr lang="en-US" smtClean="0"/>
-              <a:t>1/7/2018</a:t>
+              <a:t>8/16/2020</a:t>
             </a:fld>
             <a:endParaRPr lang="en-US"/>
           </a:p>
@@ -2085,7 +2081,7 @@
           <a:p>
             <a:fld id="{32F7251A-AE54-443C-B8FE-5F636E835EBF}" type="datetimeFigureOut">
               <a:rPr lang="en-US" smtClean="0"/>
-              <a:t>1/7/2018</a:t>
+              <a:t>8/16/2020</a:t>
             </a:fld>
             <a:endParaRPr lang="en-US"/>
           </a:p>
@@ -2337,7 +2333,7 @@
           <a:p>
             <a:fld id="{32F7251A-AE54-443C-B8FE-5F636E835EBF}" type="datetimeFigureOut">
               <a:rPr lang="en-US" smtClean="0"/>
-              <a:t>1/7/2018</a:t>
+              <a:t>8/16/2020</a:t>
             </a:fld>
             <a:endParaRPr lang="en-US"/>
           </a:p>
@@ -2404,7 +2400,9 @@
     <p:bg>
       <p:bgPr>
         <a:solidFill>
-          <a:srgbClr val="333333"/>
+          <a:schemeClr val="bg1">
+            <a:lumMod val="10000"/>
+          </a:schemeClr>
         </a:solidFill>
         <a:effectLst/>
       </p:bgPr>
@@ -2551,7 +2549,7 @@
           <a:p>
             <a:fld id="{32F7251A-AE54-443C-B8FE-5F636E835EBF}" type="datetimeFigureOut">
               <a:rPr lang="en-US" smtClean="0"/>
-              <a:t>1/7/2018</a:t>
+              <a:t>8/16/2020</a:t>
             </a:fld>
             <a:endParaRPr lang="en-US"/>
           </a:p>
@@ -3021,8 +3019,8 @@
         </p:nvSpPr>
         <p:spPr>
           <a:xfrm>
-            <a:off x="0" y="5804209"/>
-            <a:ext cx="12192000" cy="830997"/>
+            <a:off x="0" y="5927320"/>
+            <a:ext cx="12192000" cy="584775"/>
           </a:xfrm>
           <a:prstGeom prst="rect">
             <a:avLst/>
@@ -3037,10 +3035,12 @@
           <a:p>
             <a:pPr algn="ctr"/>
             <a:r>
-              <a:rPr lang="en-US" sz="4800" dirty="0">
+              <a:rPr lang="en-US" sz="3200" u="sng" dirty="0">
                 <a:solidFill>
                   <a:schemeClr val="bg1"/>
                 </a:solidFill>
+                <a:latin typeface="Assistant SemiBold" panose="00000700000000000000" pitchFamily="2" charset="-79"/>
+                <a:cs typeface="Assistant SemiBold" panose="00000700000000000000" pitchFamily="2" charset="-79"/>
               </a:rPr>
               <a:t>“Awake! Ye Saints of God”</a:t>
             </a:r>
@@ -3055,8 +3055,8 @@
         </p:nvSpPr>
         <p:spPr>
           <a:xfrm>
-            <a:off x="0" y="239869"/>
-            <a:ext cx="12192000" cy="5078313"/>
+            <a:off x="0" y="689230"/>
+            <a:ext cx="12192000" cy="3970318"/>
           </a:xfrm>
           <a:prstGeom prst="rect">
             <a:avLst/>
@@ -3071,10 +3071,12 @@
           <a:p>
             <a:pPr algn="ctr"/>
             <a:r>
-              <a:rPr lang="en-US" sz="3600" dirty="0">
+              <a:rPr lang="en-US" sz="2800" spc="50" dirty="0">
                 <a:solidFill>
                   <a:schemeClr val="bg1"/>
                 </a:solidFill>
+                <a:latin typeface="Assistant" panose="00000500000000000000" pitchFamily="2" charset="-79"/>
+                <a:cs typeface="Assistant" panose="00000500000000000000" pitchFamily="2" charset="-79"/>
               </a:rPr>
               <a:t>Awake! Ye saints of God, awake!</a:t>
             </a:r>
@@ -3082,10 +3084,12 @@
           <a:p>
             <a:pPr algn="ctr"/>
             <a:r>
-              <a:rPr lang="en-US" sz="3600" dirty="0">
+              <a:rPr lang="en-US" sz="2800" spc="50" dirty="0">
                 <a:solidFill>
                   <a:schemeClr val="bg1"/>
                 </a:solidFill>
+                <a:latin typeface="Assistant" panose="00000500000000000000" pitchFamily="2" charset="-79"/>
+                <a:cs typeface="Assistant" panose="00000500000000000000" pitchFamily="2" charset="-79"/>
               </a:rPr>
               <a:t>Call on the Lord in mighty prayer,</a:t>
             </a:r>
@@ -3093,10 +3097,12 @@
           <a:p>
             <a:pPr algn="ctr"/>
             <a:r>
-              <a:rPr lang="en-US" sz="3600" dirty="0">
+              <a:rPr lang="en-US" sz="2800" spc="50" dirty="0">
                 <a:solidFill>
                   <a:schemeClr val="bg1"/>
                 </a:solidFill>
+                <a:latin typeface="Assistant" panose="00000500000000000000" pitchFamily="2" charset="-79"/>
+                <a:cs typeface="Assistant" panose="00000500000000000000" pitchFamily="2" charset="-79"/>
               </a:rPr>
               <a:t>That He will Zion’s bondage break, </a:t>
             </a:r>
@@ -3104,29 +3110,35 @@
           <a:p>
             <a:pPr algn="ctr"/>
             <a:r>
-              <a:rPr lang="en-US" sz="3600" dirty="0">
+              <a:rPr lang="en-US" sz="2800" spc="50" dirty="0">
                 <a:solidFill>
                   <a:schemeClr val="bg1"/>
                 </a:solidFill>
+                <a:latin typeface="Assistant" panose="00000500000000000000" pitchFamily="2" charset="-79"/>
+                <a:cs typeface="Assistant" panose="00000500000000000000" pitchFamily="2" charset="-79"/>
               </a:rPr>
               <a:t>And bring to naught the fowler’s snare.</a:t>
             </a:r>
           </a:p>
           <a:p>
             <a:pPr algn="ctr"/>
-            <a:endParaRPr lang="en-US" sz="3600" dirty="0">
+            <a:endParaRPr lang="en-US" sz="2800" spc="50" dirty="0">
               <a:solidFill>
                 <a:schemeClr val="bg1"/>
               </a:solidFill>
+              <a:latin typeface="Assistant" panose="00000500000000000000" pitchFamily="2" charset="-79"/>
+              <a:cs typeface="Assistant" panose="00000500000000000000" pitchFamily="2" charset="-79"/>
             </a:endParaRPr>
           </a:p>
           <a:p>
             <a:pPr algn="ctr"/>
             <a:r>
-              <a:rPr lang="en-US" sz="3600" dirty="0">
+              <a:rPr lang="en-US" sz="2800" spc="50" dirty="0">
                 <a:solidFill>
                   <a:schemeClr val="bg1"/>
                 </a:solidFill>
+                <a:latin typeface="Assistant" panose="00000500000000000000" pitchFamily="2" charset="-79"/>
+                <a:cs typeface="Assistant" panose="00000500000000000000" pitchFamily="2" charset="-79"/>
               </a:rPr>
               <a:t>He will regard His people’s cry--</a:t>
             </a:r>
@@ -3134,61 +3146,38 @@
           <a:p>
             <a:pPr algn="ctr"/>
             <a:r>
-              <a:rPr lang="en-US" sz="3600" dirty="0">
+              <a:rPr lang="en-US" sz="2800" spc="50" dirty="0">
                 <a:solidFill>
                   <a:schemeClr val="bg1"/>
                 </a:solidFill>
+                <a:latin typeface="Assistant" panose="00000500000000000000" pitchFamily="2" charset="-79"/>
+                <a:cs typeface="Assistant" panose="00000500000000000000" pitchFamily="2" charset="-79"/>
               </a:rPr>
-              <a:t>The </a:t>
-            </a:r>
-            <a:r>
-              <a:rPr lang="en-US" sz="3600">
+              <a:t>The widow’s tear, the orphan’s moan.</a:t>
+            </a:r>
+          </a:p>
+          <a:p>
+            <a:pPr algn="ctr"/>
+            <a:r>
+              <a:rPr lang="en-US" sz="2800" spc="50" dirty="0">
                 <a:solidFill>
                   <a:schemeClr val="bg1"/>
                 </a:solidFill>
+                <a:latin typeface="Assistant" panose="00000500000000000000" pitchFamily="2" charset="-79"/>
+                <a:cs typeface="Assistant" panose="00000500000000000000" pitchFamily="2" charset="-79"/>
               </a:rPr>
-              <a:t>widow’s tear, </a:t>
-            </a:r>
-            <a:r>
-              <a:rPr lang="en-US" sz="3600" dirty="0">
+              <a:t>The blood of those that slaughtered lie</a:t>
+            </a:r>
+          </a:p>
+          <a:p>
+            <a:pPr algn="ctr"/>
+            <a:r>
+              <a:rPr lang="en-US" sz="2800" spc="50" dirty="0">
                 <a:solidFill>
                   <a:schemeClr val="bg1"/>
                 </a:solidFill>
-              </a:rPr>
-              <a:t>the </a:t>
-            </a:r>
-            <a:r>
-              <a:rPr lang="en-US" sz="3600">
-                <a:solidFill>
-                  <a:schemeClr val="bg1"/>
-                </a:solidFill>
-              </a:rPr>
-              <a:t>orphan’s moan.</a:t>
-            </a:r>
-            <a:endParaRPr lang="en-US" sz="3600" dirty="0">
-              <a:solidFill>
-                <a:schemeClr val="bg1"/>
-              </a:solidFill>
-            </a:endParaRPr>
-          </a:p>
-          <a:p>
-            <a:pPr algn="ctr"/>
-            <a:r>
-              <a:rPr lang="en-US" sz="3600" dirty="0">
-                <a:solidFill>
-                  <a:schemeClr val="bg1"/>
-                </a:solidFill>
-              </a:rPr>
-              <a:t>The blood of those that slaughtered lie</a:t>
-            </a:r>
-          </a:p>
-          <a:p>
-            <a:pPr algn="ctr"/>
-            <a:r>
-              <a:rPr lang="en-US" sz="3600" dirty="0">
-                <a:solidFill>
-                  <a:schemeClr val="bg1"/>
-                </a:solidFill>
+                <a:latin typeface="Assistant" panose="00000500000000000000" pitchFamily="2" charset="-79"/>
+                <a:cs typeface="Assistant" panose="00000500000000000000" pitchFamily="2" charset="-79"/>
               </a:rPr>
               <a:t>Pleads not in vain before His throne. </a:t>
             </a:r>
@@ -3290,8 +3279,8 @@
         </p:nvSpPr>
         <p:spPr>
           <a:xfrm>
-            <a:off x="0" y="5804209"/>
-            <a:ext cx="12192000" cy="830997"/>
+            <a:off x="0" y="5927320"/>
+            <a:ext cx="12192000" cy="584775"/>
           </a:xfrm>
           <a:prstGeom prst="rect">
             <a:avLst/>
@@ -3306,10 +3295,12 @@
           <a:p>
             <a:pPr algn="ctr"/>
             <a:r>
-              <a:rPr lang="en-US" sz="4800" dirty="0">
+              <a:rPr lang="en-US" sz="3200" u="sng" dirty="0">
                 <a:solidFill>
                   <a:schemeClr val="bg1"/>
                 </a:solidFill>
+                <a:latin typeface="Assistant SemiBold" panose="00000700000000000000" pitchFamily="2" charset="-79"/>
+                <a:cs typeface="Assistant SemiBold" panose="00000700000000000000" pitchFamily="2" charset="-79"/>
               </a:rPr>
               <a:t>“Awake! Ye Saints of God”</a:t>
             </a:r>
@@ -3324,8 +3315,8 @@
         </p:nvSpPr>
         <p:spPr>
           <a:xfrm>
-            <a:off x="0" y="239869"/>
-            <a:ext cx="12192000" cy="5078313"/>
+            <a:off x="0" y="729571"/>
+            <a:ext cx="12192000" cy="3970318"/>
           </a:xfrm>
           <a:prstGeom prst="rect">
             <a:avLst/>
@@ -3340,10 +3331,12 @@
           <a:p>
             <a:pPr algn="ctr"/>
             <a:r>
-              <a:rPr lang="en-US" sz="3600" dirty="0">
+              <a:rPr lang="en-US" sz="2800" spc="50" dirty="0">
                 <a:solidFill>
                   <a:schemeClr val="bg1"/>
                 </a:solidFill>
+                <a:latin typeface="Assistant" panose="00000500000000000000" pitchFamily="2" charset="-79"/>
+                <a:cs typeface="Assistant" panose="00000500000000000000" pitchFamily="2" charset="-79"/>
               </a:rPr>
               <a:t>Then let your souls be stayed on God;</a:t>
             </a:r>
@@ -3351,10 +3344,12 @@
           <a:p>
             <a:pPr algn="ctr"/>
             <a:r>
-              <a:rPr lang="en-US" sz="3600" dirty="0">
+              <a:rPr lang="en-US" sz="2800" spc="50" dirty="0">
                 <a:solidFill>
                   <a:schemeClr val="bg1"/>
                 </a:solidFill>
+                <a:latin typeface="Assistant" panose="00000500000000000000" pitchFamily="2" charset="-79"/>
+                <a:cs typeface="Assistant" panose="00000500000000000000" pitchFamily="2" charset="-79"/>
               </a:rPr>
               <a:t>A glorious scene is drawing nigh; </a:t>
             </a:r>
@@ -3362,10 +3357,12 @@
           <a:p>
             <a:pPr algn="ctr"/>
             <a:r>
-              <a:rPr lang="en-US" sz="3600" dirty="0">
+              <a:rPr lang="en-US" sz="2800" spc="50" dirty="0">
                 <a:solidFill>
                   <a:schemeClr val="bg1"/>
                 </a:solidFill>
+                <a:latin typeface="Assistant" panose="00000500000000000000" pitchFamily="2" charset="-79"/>
+                <a:cs typeface="Assistant" panose="00000500000000000000" pitchFamily="2" charset="-79"/>
               </a:rPr>
               <a:t>Though tempests gather like a flood, </a:t>
             </a:r>
@@ -3373,29 +3370,35 @@
           <a:p>
             <a:pPr algn="ctr"/>
             <a:r>
-              <a:rPr lang="en-US" sz="3600" dirty="0">
+              <a:rPr lang="en-US" sz="2800" spc="50" dirty="0">
                 <a:solidFill>
                   <a:schemeClr val="bg1"/>
                 </a:solidFill>
+                <a:latin typeface="Assistant" panose="00000500000000000000" pitchFamily="2" charset="-79"/>
+                <a:cs typeface="Assistant" panose="00000500000000000000" pitchFamily="2" charset="-79"/>
               </a:rPr>
               <a:t>The storm, though fierce, will soon pass by.</a:t>
             </a:r>
           </a:p>
           <a:p>
             <a:pPr algn="ctr"/>
-            <a:endParaRPr lang="en-US" sz="3600" dirty="0">
+            <a:endParaRPr lang="en-US" sz="2800" spc="50" dirty="0">
               <a:solidFill>
                 <a:schemeClr val="bg1"/>
               </a:solidFill>
+              <a:latin typeface="Assistant" panose="00000500000000000000" pitchFamily="2" charset="-79"/>
+              <a:cs typeface="Assistant" panose="00000500000000000000" pitchFamily="2" charset="-79"/>
             </a:endParaRPr>
           </a:p>
           <a:p>
             <a:pPr algn="ctr"/>
             <a:r>
-              <a:rPr lang="en-US" sz="3600" dirty="0">
+              <a:rPr lang="en-US" sz="2800" spc="50" dirty="0">
                 <a:solidFill>
                   <a:schemeClr val="bg1"/>
                 </a:solidFill>
+                <a:latin typeface="Assistant" panose="00000500000000000000" pitchFamily="2" charset="-79"/>
+                <a:cs typeface="Assistant" panose="00000500000000000000" pitchFamily="2" charset="-79"/>
               </a:rPr>
               <a:t>Awake to union and be one, </a:t>
             </a:r>
@@ -3403,26 +3406,32 @@
           <a:p>
             <a:pPr algn="ctr"/>
             <a:r>
-              <a:rPr lang="en-US" sz="3600" dirty="0">
+              <a:rPr lang="en-US" sz="2800" spc="50" dirty="0">
                 <a:solidFill>
                   <a:schemeClr val="bg1"/>
                 </a:solidFill>
+                <a:latin typeface="Assistant" panose="00000500000000000000" pitchFamily="2" charset="-79"/>
+                <a:cs typeface="Assistant" panose="00000500000000000000" pitchFamily="2" charset="-79"/>
               </a:rPr>
               <a:t>Or, </a:t>
             </a:r>
             <a:r>
-              <a:rPr lang="en-US" sz="3600" dirty="0" err="1">
+              <a:rPr lang="en-US" sz="2800" spc="50" dirty="0" err="1">
                 <a:solidFill>
                   <a:schemeClr val="bg1"/>
                 </a:solidFill>
+                <a:latin typeface="Assistant" panose="00000500000000000000" pitchFamily="2" charset="-79"/>
+                <a:cs typeface="Assistant" panose="00000500000000000000" pitchFamily="2" charset="-79"/>
               </a:rPr>
               <a:t>saith</a:t>
             </a:r>
             <a:r>
-              <a:rPr lang="en-US" sz="3600" dirty="0">
+              <a:rPr lang="en-US" sz="2800" spc="50" dirty="0">
                 <a:solidFill>
                   <a:schemeClr val="bg1"/>
                 </a:solidFill>
+                <a:latin typeface="Assistant" panose="00000500000000000000" pitchFamily="2" charset="-79"/>
+                <a:cs typeface="Assistant" panose="00000500000000000000" pitchFamily="2" charset="-79"/>
               </a:rPr>
               <a:t> the Lord, “Ye are not mine!”</a:t>
             </a:r>
@@ -3430,10 +3439,12 @@
           <a:p>
             <a:pPr algn="ctr"/>
             <a:r>
-              <a:rPr lang="en-US" sz="3600" dirty="0">
+              <a:rPr lang="en-US" sz="2800" spc="50" dirty="0">
                 <a:solidFill>
                   <a:schemeClr val="bg1"/>
                 </a:solidFill>
+                <a:latin typeface="Assistant" panose="00000500000000000000" pitchFamily="2" charset="-79"/>
+                <a:cs typeface="Assistant" panose="00000500000000000000" pitchFamily="2" charset="-79"/>
               </a:rPr>
               <a:t>Yea, like the Father and the Son,</a:t>
             </a:r>
@@ -3441,10 +3452,12 @@
           <a:p>
             <a:pPr algn="ctr"/>
             <a:r>
-              <a:rPr lang="en-US" sz="3600" dirty="0">
+              <a:rPr lang="en-US" sz="2800" spc="50" dirty="0">
                 <a:solidFill>
                   <a:schemeClr val="bg1"/>
                 </a:solidFill>
+                <a:latin typeface="Assistant" panose="00000500000000000000" pitchFamily="2" charset="-79"/>
+                <a:cs typeface="Assistant" panose="00000500000000000000" pitchFamily="2" charset="-79"/>
               </a:rPr>
               <a:t>Let all the saints in union join.</a:t>
             </a:r>
